--- a/docu/Konzepte/UebersichtSpektrensuche.pptx
+++ b/docu/Konzepte/UebersichtSpektrensuche.pptx
@@ -1,6 +1,6 @@
 
 <file path=ppt/presentation.xml><?xml version="1.0" encoding="utf-8"?>
-<p:presentation xmlns:a="http://schemas.openxmlformats.org/drawingml/2006/main" xmlns:r="http://schemas.openxmlformats.org/officeDocument/2006/relationships" xmlns:p="http://schemas.openxmlformats.org/presentationml/2006/main" saveSubsetFonts="1">
+<p:presentation xmlns:a="http://schemas.openxmlformats.org/drawingml/2006/main" xmlns:r="http://schemas.openxmlformats.org/officeDocument/2006/relationships" xmlns:p="http://schemas.openxmlformats.org/presentationml/2006/main" serverZoom="31381" saveSubsetFonts="1">
   <p:sldMasterIdLst>
     <p:sldMasterId id="2147483648" r:id="rId1"/>
   </p:sldMasterIdLst>
@@ -3341,13 +3341,8 @@
             </a:r>
             <a:r>
               <a:rPr lang="de-DE" sz="1200" dirty="0" smtClean="0"/>
-              <a:t>) </a:t>
-            </a:r>
-            <a:r>
-              <a:rPr lang="de-DE" sz="1200" smtClean="0"/>
-              <a:t>[Frank 2011]]</a:t>
-            </a:r>
-            <a:endParaRPr lang="de-DE" sz="1200" dirty="0" smtClean="0"/>
+              <a:t>) [Frank 2011]]</a:t>
+            </a:r>
           </a:p>
           <a:p>
             <a:pPr marL="342900" indent="-342900">
@@ -3743,7 +3738,157 @@
               <a:rPr lang="de-DE" sz="1000" dirty="0" smtClean="0">
                 <a:sym typeface="Wingdings" pitchFamily="2" charset="2"/>
               </a:rPr>
-              <a:t> [Frank 2005p, 965]</a:t>
+              <a:t> [Frank 2005p, 965</a:t>
+            </a:r>
+            <a:r>
+              <a:rPr lang="de-DE" sz="1000" dirty="0" smtClean="0">
+                <a:sym typeface="Wingdings" pitchFamily="2" charset="2"/>
+              </a:rPr>
+              <a:t>]</a:t>
+            </a:r>
+          </a:p>
+          <a:p>
+            <a:pPr marL="342900" indent="-342900">
+              <a:buFont typeface="Arial" pitchFamily="34" charset="0"/>
+              <a:buChar char="•"/>
+            </a:pPr>
+            <a:r>
+              <a:rPr lang="de-DE" sz="1000" dirty="0" smtClean="0">
+                <a:sym typeface="Wingdings" pitchFamily="2" charset="2"/>
+              </a:rPr>
+              <a:t>Scoring  über 2 </a:t>
+            </a:r>
+            <a:r>
+              <a:rPr lang="de-DE" sz="1000" dirty="0" err="1" smtClean="0">
+                <a:sym typeface="Wingdings" pitchFamily="2" charset="2"/>
+              </a:rPr>
+              <a:t>Metrics</a:t>
+            </a:r>
+            <a:r>
+              <a:rPr lang="de-DE" sz="1000" dirty="0" smtClean="0">
+                <a:sym typeface="Wingdings" pitchFamily="2" charset="2"/>
+              </a:rPr>
+              <a:t>: </a:t>
+            </a:r>
+            <a:r>
+              <a:rPr lang="de-DE" sz="1000" dirty="0" err="1" smtClean="0">
+                <a:sym typeface="Wingdings" pitchFamily="2" charset="2"/>
+              </a:rPr>
+              <a:t>dot</a:t>
+            </a:r>
+            <a:r>
+              <a:rPr lang="de-DE" sz="1000" dirty="0" smtClean="0">
+                <a:sym typeface="Wingdings" pitchFamily="2" charset="2"/>
+              </a:rPr>
+              <a:t> </a:t>
+            </a:r>
+            <a:r>
+              <a:rPr lang="de-DE" sz="1000" dirty="0" err="1" smtClean="0">
+                <a:sym typeface="Wingdings" pitchFamily="2" charset="2"/>
+              </a:rPr>
+              <a:t>product</a:t>
+            </a:r>
+            <a:r>
+              <a:rPr lang="de-DE" sz="1000" dirty="0" smtClean="0">
+                <a:sym typeface="Wingdings" pitchFamily="2" charset="2"/>
+              </a:rPr>
+              <a:t> top Hit/ </a:t>
+            </a:r>
+            <a:r>
+              <a:rPr lang="de-DE" sz="1000" dirty="0" err="1" smtClean="0">
+                <a:sym typeface="Wingdings" pitchFamily="2" charset="2"/>
+              </a:rPr>
+              <a:t>Dot</a:t>
+            </a:r>
+            <a:r>
+              <a:rPr lang="de-DE" sz="1000" dirty="0" smtClean="0">
+                <a:sym typeface="Wingdings" pitchFamily="2" charset="2"/>
+              </a:rPr>
+              <a:t> </a:t>
+            </a:r>
+            <a:r>
+              <a:rPr lang="de-DE" sz="1000" dirty="0" err="1" smtClean="0">
+                <a:sym typeface="Wingdings" pitchFamily="2" charset="2"/>
+              </a:rPr>
+              <a:t>Product</a:t>
+            </a:r>
+            <a:r>
+              <a:rPr lang="de-DE" sz="1000" dirty="0" smtClean="0">
+                <a:sym typeface="Wingdings" pitchFamily="2" charset="2"/>
+              </a:rPr>
+              <a:t> </a:t>
+            </a:r>
+            <a:r>
+              <a:rPr lang="de-DE" sz="1000" dirty="0" err="1" smtClean="0">
+                <a:sym typeface="Wingdings" pitchFamily="2" charset="2"/>
+              </a:rPr>
+              <a:t>Abweicher</a:t>
+            </a:r>
+            <a:r>
+              <a:rPr lang="de-DE" sz="1000" dirty="0" smtClean="0">
+                <a:sym typeface="Wingdings" pitchFamily="2" charset="2"/>
+              </a:rPr>
+              <a:t> durch </a:t>
+            </a:r>
+            <a:r>
+              <a:rPr lang="de-DE" sz="1000" dirty="0" err="1" smtClean="0">
+                <a:sym typeface="Wingdings" pitchFamily="2" charset="2"/>
+              </a:rPr>
+              <a:t>Dot</a:t>
+            </a:r>
+            <a:r>
+              <a:rPr lang="de-DE" sz="1000" dirty="0" smtClean="0">
+                <a:sym typeface="Wingdings" pitchFamily="2" charset="2"/>
+              </a:rPr>
+              <a:t> </a:t>
+            </a:r>
+            <a:r>
+              <a:rPr lang="de-DE" sz="1000" dirty="0" err="1" smtClean="0">
+                <a:sym typeface="Wingdings" pitchFamily="2" charset="2"/>
+              </a:rPr>
+              <a:t>Product</a:t>
+            </a:r>
+            <a:r>
+              <a:rPr lang="de-DE" sz="1000" dirty="0" smtClean="0">
+                <a:sym typeface="Wingdings" pitchFamily="2" charset="2"/>
+              </a:rPr>
+              <a:t> top </a:t>
+            </a:r>
+            <a:r>
+              <a:rPr lang="de-DE" sz="1000" dirty="0" err="1" smtClean="0">
+                <a:sym typeface="Wingdings" pitchFamily="2" charset="2"/>
+              </a:rPr>
+              <a:t>hit</a:t>
+            </a:r>
+            <a:r>
+              <a:rPr lang="de-DE" sz="1000" dirty="0" smtClean="0">
+                <a:sym typeface="Wingdings" pitchFamily="2" charset="2"/>
+              </a:rPr>
+              <a:t> [Lam 2007]</a:t>
+            </a:r>
+          </a:p>
+          <a:p>
+            <a:pPr marL="342900" indent="-342900">
+              <a:buFont typeface="Arial" pitchFamily="34" charset="0"/>
+              <a:buChar char="•"/>
+            </a:pPr>
+            <a:r>
+              <a:rPr lang="de-DE" sz="1000" dirty="0" smtClean="0">
+                <a:sym typeface="Wingdings" pitchFamily="2" charset="2"/>
+              </a:rPr>
+              <a:t>Überprüfen ob </a:t>
+            </a:r>
+            <a:r>
+              <a:rPr lang="de-DE" sz="1000" dirty="0" err="1" smtClean="0">
+                <a:sym typeface="Wingdings" pitchFamily="2" charset="2"/>
+              </a:rPr>
+              <a:t>Dominranz</a:t>
+            </a:r>
+            <a:r>
+              <a:rPr lang="de-DE" sz="1000" dirty="0" smtClean="0">
+                <a:sym typeface="Wingdings" pitchFamily="2" charset="2"/>
+              </a:rPr>
+              <a:t> von Sehr großen [LAM 2007]</a:t>
             </a:r>
             <a:endParaRPr lang="de-DE" sz="1000" dirty="0" smtClean="0"/>
           </a:p>
@@ -3764,8 +3909,8 @@
         </p:nvSpPr>
         <p:spPr>
           <a:xfrm>
-            <a:off x="-7912" y="1488232"/>
-            <a:ext cx="2880320" cy="5616624"/>
+            <a:off x="-7912" y="1223139"/>
+            <a:ext cx="2880320" cy="5881717"/>
           </a:xfrm>
           <a:prstGeom prst="roundRect">
             <a:avLst/>
@@ -3981,13 +4126,7 @@
               <a:rPr lang="de-DE" sz="1400" dirty="0" smtClean="0">
                 <a:sym typeface="Wingdings" pitchFamily="2" charset="2"/>
               </a:rPr>
-              <a:t> </a:t>
-            </a:r>
-            <a:r>
-              <a:rPr lang="de-DE" sz="1400" dirty="0" smtClean="0">
-                <a:sym typeface="Wingdings" pitchFamily="2" charset="2"/>
-              </a:rPr>
-              <a:t>Gruppen</a:t>
+              <a:t> Gruppen</a:t>
             </a:r>
           </a:p>
           <a:p>
@@ -4048,6 +4187,42 @@
                 <a:sym typeface="Wingdings" pitchFamily="2" charset="2"/>
               </a:rPr>
               <a:t>]</a:t>
+            </a:r>
+          </a:p>
+          <a:p>
+            <a:pPr marL="342900" indent="-342900">
+              <a:buFont typeface="Arial" pitchFamily="34" charset="0"/>
+              <a:buChar char="•"/>
+            </a:pPr>
+            <a:r>
+              <a:rPr lang="de-DE" sz="1400" dirty="0" smtClean="0">
+                <a:sym typeface="Wingdings" pitchFamily="2" charset="2"/>
+              </a:rPr>
+              <a:t>Entfernen von Spektren mit weniger als 6 </a:t>
+            </a:r>
+            <a:r>
+              <a:rPr lang="de-DE" sz="1400" dirty="0" err="1" smtClean="0">
+                <a:sym typeface="Wingdings" pitchFamily="2" charset="2"/>
+              </a:rPr>
+              <a:t>peaks</a:t>
+            </a:r>
+            <a:r>
+              <a:rPr lang="de-DE" sz="1400" dirty="0" smtClean="0">
+                <a:sym typeface="Wingdings" pitchFamily="2" charset="2"/>
+              </a:rPr>
+              <a:t> und </a:t>
+            </a:r>
+            <a:r>
+              <a:rPr lang="de-DE" sz="1400" dirty="0" err="1" smtClean="0">
+                <a:sym typeface="Wingdings" pitchFamily="2" charset="2"/>
+              </a:rPr>
+              <a:t>Precursor</a:t>
+            </a:r>
+            <a:r>
+              <a:rPr lang="de-DE" sz="1400" dirty="0" smtClean="0">
+                <a:sym typeface="Wingdings" pitchFamily="2" charset="2"/>
+              </a:rPr>
+              <a:t> unter 500 [LAM 2007]</a:t>
             </a:r>
             <a:endParaRPr lang="de-DE" sz="1400" dirty="0" smtClean="0"/>
           </a:p>

--- a/docu/Konzepte/UebersichtSpektrensuche.pptx
+++ b/docu/Konzepte/UebersichtSpektrensuche.pptx
@@ -1,6 +1,6 @@
 
 <file path=ppt/presentation.xml><?xml version="1.0" encoding="utf-8"?>
-<p:presentation xmlns:a="http://schemas.openxmlformats.org/drawingml/2006/main" xmlns:r="http://schemas.openxmlformats.org/officeDocument/2006/relationships" xmlns:p="http://schemas.openxmlformats.org/presentationml/2006/main" serverZoom="31381" saveSubsetFonts="1">
+<p:presentation xmlns:a="http://schemas.openxmlformats.org/drawingml/2006/main" xmlns:r="http://schemas.openxmlformats.org/officeDocument/2006/relationships" xmlns:p="http://schemas.openxmlformats.org/presentationml/2006/main" serverZoom="5145" saveSubsetFonts="1">
   <p:sldMasterIdLst>
     <p:sldMasterId id="2147483648" r:id="rId1"/>
   </p:sldMasterIdLst>
@@ -3104,7 +3104,7 @@
         <p:spPr>
           <a:xfrm>
             <a:off x="784176" y="192088"/>
-            <a:ext cx="5904656" cy="1031051"/>
+            <a:ext cx="11089232" cy="846386"/>
           </a:xfrm>
           <a:prstGeom prst="rect">
             <a:avLst/>
@@ -3126,7 +3126,31 @@
           <a:p>
             <a:r>
               <a:rPr lang="de-DE" sz="1200" dirty="0" smtClean="0"/>
-              <a:t>Anforderung an Algorithmus sucht in DB nach gleichen oder ähnliche Spektren. Die Unterschiede zwischen den Spektren liegen an verschiedenen Geräte Typen oder homologe und isomere Proteine [Stein]</a:t>
+              <a:t>Anforderung an Algorithmus sucht in DB nach gleichen oder ähnliche Spektren. Die Unterschiede zwischen den Spektren liegen an verschiedenen Geräte Typen oder homologe und isomere Proteine [Stein</a:t>
+            </a:r>
+            <a:r>
+              <a:rPr lang="de-DE" sz="1200" dirty="0" smtClean="0"/>
+              <a:t>]. Weitere Ursache theoretische Spektrum beachtet </a:t>
+            </a:r>
+            <a:r>
+              <a:rPr lang="de-DE" sz="1200" dirty="0" err="1" smtClean="0"/>
+              <a:t>bicht</a:t>
+            </a:r>
+            <a:r>
+              <a:rPr lang="de-DE" sz="1200" dirty="0" smtClean="0"/>
+              <a:t> alle </a:t>
+            </a:r>
+            <a:r>
+              <a:rPr lang="de-DE" sz="1200" dirty="0" err="1" smtClean="0"/>
+              <a:t>einflüsse</a:t>
+            </a:r>
+            <a:r>
+              <a:rPr lang="de-DE" sz="1200" dirty="0" smtClean="0"/>
+              <a:t> die nur im realen </a:t>
+            </a:r>
+            <a:r>
+              <a:rPr lang="de-DE" sz="1200" smtClean="0"/>
+              <a:t>Spektrum vorhanden sind</a:t>
             </a:r>
             <a:endParaRPr lang="en-US" sz="1200" dirty="0"/>
           </a:p>
@@ -3451,6 +3475,41 @@
               <a:buFont typeface="Arial" pitchFamily="34" charset="0"/>
               <a:buChar char="•"/>
             </a:pPr>
+            <a:r>
+              <a:rPr lang="de-DE" sz="1200" dirty="0" err="1" smtClean="0"/>
+              <a:t>Dot</a:t>
+            </a:r>
+            <a:r>
+              <a:rPr lang="de-DE" sz="1200" dirty="0" smtClean="0"/>
+              <a:t> </a:t>
+            </a:r>
+            <a:r>
+              <a:rPr lang="de-DE" sz="1200" dirty="0" err="1" smtClean="0"/>
+              <a:t>Product</a:t>
+            </a:r>
+            <a:r>
+              <a:rPr lang="de-DE" sz="1200" dirty="0" smtClean="0"/>
+              <a:t> + </a:t>
+            </a:r>
+            <a:r>
+              <a:rPr lang="de-DE" sz="1200" dirty="0" err="1" smtClean="0"/>
+              <a:t>Abstandswichtung</a:t>
+            </a:r>
+            <a:r>
+              <a:rPr lang="de-DE" sz="1200" dirty="0" smtClean="0"/>
+              <a:t>???[</a:t>
+            </a:r>
+            <a:r>
+              <a:rPr lang="de-DE" sz="1200" smtClean="0"/>
+              <a:t>me]</a:t>
+            </a:r>
+            <a:endParaRPr lang="de-DE" sz="1200" dirty="0" smtClean="0"/>
+          </a:p>
+          <a:p>
+            <a:pPr marL="342900" indent="-342900">
+              <a:buFont typeface="Arial" pitchFamily="34" charset="0"/>
+              <a:buChar char="•"/>
+            </a:pPr>
             <a:endParaRPr lang="de-DE" sz="1200" dirty="0"/>
           </a:p>
           <a:p>
@@ -3738,13 +3797,7 @@
               <a:rPr lang="de-DE" sz="1000" dirty="0" smtClean="0">
                 <a:sym typeface="Wingdings" pitchFamily="2" charset="2"/>
               </a:rPr>
-              <a:t> [Frank 2005p, 965</a:t>
-            </a:r>
-            <a:r>
-              <a:rPr lang="de-DE" sz="1000" dirty="0" smtClean="0">
-                <a:sym typeface="Wingdings" pitchFamily="2" charset="2"/>
-              </a:rPr>
-              <a:t>]</a:t>
+              <a:t> [Frank 2005p, 965]</a:t>
             </a:r>
           </a:p>
           <a:p>
@@ -3889,6 +3942,42 @@
                 <a:sym typeface="Wingdings" pitchFamily="2" charset="2"/>
               </a:rPr>
               <a:t> von Sehr großen [LAM 2007]</a:t>
+            </a:r>
+          </a:p>
+          <a:p>
+            <a:pPr marL="342900" indent="-342900">
+              <a:buFont typeface="Arial" pitchFamily="34" charset="0"/>
+              <a:buChar char="•"/>
+            </a:pPr>
+            <a:r>
+              <a:rPr lang="de-DE" sz="1000" dirty="0" smtClean="0">
+                <a:sym typeface="Wingdings" pitchFamily="2" charset="2"/>
+              </a:rPr>
+              <a:t>Plotten Peptide Score </a:t>
+            </a:r>
+            <a:r>
+              <a:rPr lang="de-DE" sz="1000" dirty="0" err="1" smtClean="0">
+                <a:sym typeface="Wingdings" pitchFamily="2" charset="2"/>
+              </a:rPr>
+              <a:t>against</a:t>
+            </a:r>
+            <a:r>
+              <a:rPr lang="de-DE" sz="1000" dirty="0" smtClean="0">
+                <a:sym typeface="Wingdings" pitchFamily="2" charset="2"/>
+              </a:rPr>
+              <a:t> </a:t>
+            </a:r>
+            <a:r>
+              <a:rPr lang="de-DE" sz="1000" dirty="0" err="1" smtClean="0">
+                <a:sym typeface="Wingdings" pitchFamily="2" charset="2"/>
+              </a:rPr>
+              <a:t>frequency</a:t>
+            </a:r>
+            <a:r>
+              <a:rPr lang="de-DE" sz="1000" smtClean="0">
+                <a:sym typeface="Wingdings" pitchFamily="2" charset="2"/>
+              </a:rPr>
+              <a:t> Normalverteilung[Stehen 2004, p 706]</a:t>
             </a:r>
             <a:endParaRPr lang="de-DE" sz="1000" dirty="0" smtClean="0"/>
           </a:p>
@@ -4417,6 +4506,52 @@
             <a:r>
               <a:rPr lang="de-DE" sz="1100" dirty="0" smtClean="0"/>
               <a:t> bekannt) </a:t>
+            </a:r>
+          </a:p>
+          <a:p>
+            <a:pPr marL="171450" indent="-171450">
+              <a:buFont typeface="Arial" pitchFamily="34" charset="0"/>
+              <a:buChar char="•"/>
+            </a:pPr>
+            <a:r>
+              <a:rPr lang="de-DE" sz="1100" dirty="0" smtClean="0"/>
+              <a:t>Ursachen warum die Ähnlichkeitssuche scheitert: Signal </a:t>
+            </a:r>
+            <a:r>
+              <a:rPr lang="de-DE" sz="1100" dirty="0" err="1" smtClean="0"/>
+              <a:t>to</a:t>
+            </a:r>
+            <a:r>
+              <a:rPr lang="de-DE" sz="1100" dirty="0" smtClean="0"/>
+              <a:t> </a:t>
+            </a:r>
+            <a:r>
+              <a:rPr lang="de-DE" sz="1100" dirty="0" err="1" smtClean="0"/>
+              <a:t>noise</a:t>
+            </a:r>
+            <a:r>
+              <a:rPr lang="de-DE" sz="1100" dirty="0" smtClean="0"/>
+              <a:t>, fehlen von </a:t>
+            </a:r>
+            <a:r>
+              <a:rPr lang="de-DE" sz="1100" dirty="0" err="1" smtClean="0"/>
+              <a:t>Peptideion</a:t>
+            </a:r>
+            <a:r>
+              <a:rPr lang="de-DE" sz="1100" dirty="0" smtClean="0"/>
+              <a:t>/ </a:t>
+            </a:r>
+            <a:r>
+              <a:rPr lang="de-DE" sz="1100" dirty="0" err="1" smtClean="0"/>
+              <a:t>Supression</a:t>
+            </a:r>
+            <a:r>
+              <a:rPr lang="de-DE" sz="1100" dirty="0" smtClean="0"/>
+              <a:t>, Homologe oder </a:t>
+            </a:r>
+            <a:r>
+              <a:rPr lang="de-DE" sz="1100" dirty="0" err="1" smtClean="0"/>
+              <a:t>Isoformen</a:t>
             </a:r>
             <a:endParaRPr lang="en-US" sz="1100" dirty="0"/>
           </a:p>

--- a/docu/Konzepte/UebersichtSpektrensuche.pptx
+++ b/docu/Konzepte/UebersichtSpektrensuche.pptx
@@ -1,6 +1,6 @@
 
 <file path=ppt/presentation.xml><?xml version="1.0" encoding="utf-8"?>
-<p:presentation xmlns:a="http://schemas.openxmlformats.org/drawingml/2006/main" xmlns:r="http://schemas.openxmlformats.org/officeDocument/2006/relationships" xmlns:p="http://schemas.openxmlformats.org/presentationml/2006/main" serverZoom="5145" saveSubsetFonts="1">
+<p:presentation xmlns:a="http://schemas.openxmlformats.org/drawingml/2006/main" xmlns:r="http://schemas.openxmlformats.org/officeDocument/2006/relationships" xmlns:p="http://schemas.openxmlformats.org/presentationml/2006/main" serverZoom="3313" saveSubsetFonts="1">
   <p:sldMasterIdLst>
     <p:sldMasterId id="2147483648" r:id="rId1"/>
   </p:sldMasterIdLst>
@@ -3126,11 +3126,7 @@
           <a:p>
             <a:r>
               <a:rPr lang="de-DE" sz="1200" dirty="0" smtClean="0"/>
-              <a:t>Anforderung an Algorithmus sucht in DB nach gleichen oder ähnliche Spektren. Die Unterschiede zwischen den Spektren liegen an verschiedenen Geräte Typen oder homologe und isomere Proteine [Stein</a:t>
-            </a:r>
-            <a:r>
-              <a:rPr lang="de-DE" sz="1200" dirty="0" smtClean="0"/>
-              <a:t>]. Weitere Ursache theoretische Spektrum beachtet </a:t>
+              <a:t>Anforderung an Algorithmus sucht in DB nach gleichen oder ähnliche Spektren. Die Unterschiede zwischen den Spektren liegen an verschiedenen Geräte Typen oder homologe und isomere Proteine [Stein]. Weitere Ursache theoretische Spektrum beachtet </a:t>
             </a:r>
             <a:r>
               <a:rPr lang="de-DE" sz="1200" dirty="0" err="1" smtClean="0"/>
@@ -3500,8 +3496,42 @@
               <a:t>???[</a:t>
             </a:r>
             <a:r>
+              <a:rPr lang="de-DE" sz="1200" dirty="0" err="1" smtClean="0"/>
+              <a:t>me</a:t>
+            </a:r>
+            <a:r>
+              <a:rPr lang="de-DE" sz="1200" dirty="0" smtClean="0"/>
+              <a:t>]</a:t>
+            </a:r>
+          </a:p>
+          <a:p>
+            <a:pPr marL="342900" indent="-342900">
+              <a:buFont typeface="Arial" pitchFamily="34" charset="0"/>
+              <a:buChar char="•"/>
+            </a:pPr>
+            <a:r>
+              <a:rPr lang="de-DE" sz="1200" dirty="0" err="1" smtClean="0"/>
+              <a:t>Dot</a:t>
+            </a:r>
+            <a:r>
+              <a:rPr lang="de-DE" sz="1200" dirty="0" smtClean="0"/>
+              <a:t> </a:t>
+            </a:r>
+            <a:r>
+              <a:rPr lang="de-DE" sz="1200" dirty="0" err="1" smtClean="0"/>
+              <a:t>Product</a:t>
+            </a:r>
+            <a:r>
+              <a:rPr lang="de-DE" sz="1200" dirty="0" smtClean="0"/>
+              <a:t> aber nur top 20 Peaks bei </a:t>
+            </a:r>
+            <a:r>
+              <a:rPr lang="de-DE" sz="1200" dirty="0" err="1" smtClean="0"/>
+              <a:t>X!Hunter</a:t>
+            </a:r>
+            <a:r>
               <a:rPr lang="de-DE" sz="1200" smtClean="0"/>
-              <a:t>me]</a:t>
+              <a:t> []Lam 2010</a:t>
             </a:r>
             <a:endParaRPr lang="de-DE" sz="1200" dirty="0" smtClean="0"/>
           </a:p>

--- a/docu/Konzepte/UebersichtSpektrensuche.pptx
+++ b/docu/Konzepte/UebersichtSpektrensuche.pptx
@@ -8,7 +8,7 @@
     <p:sldId id="256" r:id="rId2"/>
   </p:sldIdLst>
   <p:sldSz cx="12801600" cy="9601200" type="A3"/>
-  <p:notesSz cx="6858000" cy="9144000"/>
+  <p:notesSz cx="9929813" cy="14357350"/>
   <p:defaultTextStyle>
     <a:defPPr>
       <a:defRPr lang="en-US"/>
@@ -288,7 +288,7 @@
           <a:p>
             <a:fld id="{4D1464AD-1CE0-48FF-888D-459EC53785DB}" type="datetimeFigureOut">
               <a:rPr lang="en-US" smtClean="0"/>
-              <a:t>10/10/2011</a:t>
+              <a:t>10/11/2011</a:t>
             </a:fld>
             <a:endParaRPr lang="en-US"/>
           </a:p>
@@ -458,7 +458,7 @@
           <a:p>
             <a:fld id="{4D1464AD-1CE0-48FF-888D-459EC53785DB}" type="datetimeFigureOut">
               <a:rPr lang="en-US" smtClean="0"/>
-              <a:t>10/10/2011</a:t>
+              <a:t>10/11/2011</a:t>
             </a:fld>
             <a:endParaRPr lang="en-US"/>
           </a:p>
@@ -638,7 +638,7 @@
           <a:p>
             <a:fld id="{4D1464AD-1CE0-48FF-888D-459EC53785DB}" type="datetimeFigureOut">
               <a:rPr lang="en-US" smtClean="0"/>
-              <a:t>10/10/2011</a:t>
+              <a:t>10/11/2011</a:t>
             </a:fld>
             <a:endParaRPr lang="en-US"/>
           </a:p>
@@ -808,7 +808,7 @@
           <a:p>
             <a:fld id="{4D1464AD-1CE0-48FF-888D-459EC53785DB}" type="datetimeFigureOut">
               <a:rPr lang="en-US" smtClean="0"/>
-              <a:t>10/10/2011</a:t>
+              <a:t>10/11/2011</a:t>
             </a:fld>
             <a:endParaRPr lang="en-US"/>
           </a:p>
@@ -1054,7 +1054,7 @@
           <a:p>
             <a:fld id="{4D1464AD-1CE0-48FF-888D-459EC53785DB}" type="datetimeFigureOut">
               <a:rPr lang="en-US" smtClean="0"/>
-              <a:t>10/10/2011</a:t>
+              <a:t>10/11/2011</a:t>
             </a:fld>
             <a:endParaRPr lang="en-US"/>
           </a:p>
@@ -1342,7 +1342,7 @@
           <a:p>
             <a:fld id="{4D1464AD-1CE0-48FF-888D-459EC53785DB}" type="datetimeFigureOut">
               <a:rPr lang="en-US" smtClean="0"/>
-              <a:t>10/10/2011</a:t>
+              <a:t>10/11/2011</a:t>
             </a:fld>
             <a:endParaRPr lang="en-US"/>
           </a:p>
@@ -1764,7 +1764,7 @@
           <a:p>
             <a:fld id="{4D1464AD-1CE0-48FF-888D-459EC53785DB}" type="datetimeFigureOut">
               <a:rPr lang="en-US" smtClean="0"/>
-              <a:t>10/10/2011</a:t>
+              <a:t>10/11/2011</a:t>
             </a:fld>
             <a:endParaRPr lang="en-US"/>
           </a:p>
@@ -1882,7 +1882,7 @@
           <a:p>
             <a:fld id="{4D1464AD-1CE0-48FF-888D-459EC53785DB}" type="datetimeFigureOut">
               <a:rPr lang="en-US" smtClean="0"/>
-              <a:t>10/10/2011</a:t>
+              <a:t>10/11/2011</a:t>
             </a:fld>
             <a:endParaRPr lang="en-US"/>
           </a:p>
@@ -1977,7 +1977,7 @@
           <a:p>
             <a:fld id="{4D1464AD-1CE0-48FF-888D-459EC53785DB}" type="datetimeFigureOut">
               <a:rPr lang="en-US" smtClean="0"/>
-              <a:t>10/10/2011</a:t>
+              <a:t>10/11/2011</a:t>
             </a:fld>
             <a:endParaRPr lang="en-US"/>
           </a:p>
@@ -2254,7 +2254,7 @@
           <a:p>
             <a:fld id="{4D1464AD-1CE0-48FF-888D-459EC53785DB}" type="datetimeFigureOut">
               <a:rPr lang="en-US" smtClean="0"/>
-              <a:t>10/10/2011</a:t>
+              <a:t>10/11/2011</a:t>
             </a:fld>
             <a:endParaRPr lang="en-US"/>
           </a:p>
@@ -2507,7 +2507,7 @@
           <a:p>
             <a:fld id="{4D1464AD-1CE0-48FF-888D-459EC53785DB}" type="datetimeFigureOut">
               <a:rPr lang="en-US" smtClean="0"/>
-              <a:t>10/10/2011</a:t>
+              <a:t>10/11/2011</a:t>
             </a:fld>
             <a:endParaRPr lang="en-US"/>
           </a:p>
@@ -2720,7 +2720,7 @@
           <a:p>
             <a:fld id="{4D1464AD-1CE0-48FF-888D-459EC53785DB}" type="datetimeFigureOut">
               <a:rPr lang="en-US" smtClean="0"/>
-              <a:t>10/10/2011</a:t>
+              <a:t>10/11/2011</a:t>
             </a:fld>
             <a:endParaRPr lang="en-US"/>
           </a:p>
@@ -3104,7 +3104,7 @@
         <p:spPr>
           <a:xfrm>
             <a:off x="784176" y="192088"/>
-            <a:ext cx="11089232" cy="846386"/>
+            <a:ext cx="11089232" cy="1031051"/>
           </a:xfrm>
           <a:prstGeom prst="rect">
             <a:avLst/>
@@ -3129,12 +3129,12 @@
               <a:t>Anforderung an Algorithmus sucht in DB nach gleichen oder ähnliche Spektren. Die Unterschiede zwischen den Spektren liegen an verschiedenen Geräte Typen oder homologe und isomere Proteine [Stein]. Weitere Ursache theoretische Spektrum beachtet </a:t>
             </a:r>
             <a:r>
-              <a:rPr lang="de-DE" sz="1200" dirty="0" err="1" smtClean="0"/>
-              <a:t>bicht</a:t>
+              <a:rPr lang="de-DE" sz="1200" dirty="0"/>
+              <a:t>n</a:t>
             </a:r>
             <a:r>
               <a:rPr lang="de-DE" sz="1200" dirty="0" smtClean="0"/>
-              <a:t> alle </a:t>
+              <a:t>icht alle </a:t>
             </a:r>
             <a:r>
               <a:rPr lang="de-DE" sz="1200" dirty="0" err="1" smtClean="0"/>
@@ -3142,11 +3142,21 @@
             </a:r>
             <a:r>
               <a:rPr lang="de-DE" sz="1200" dirty="0" smtClean="0"/>
-              <a:t> die nur im realen </a:t>
-            </a:r>
-            <a:r>
-              <a:rPr lang="de-DE" sz="1200" smtClean="0"/>
-              <a:t>Spektrum vorhanden sind</a:t>
+              <a:t> die nur im realen Spektrum vorhanden sind. </a:t>
+            </a:r>
+          </a:p>
+          <a:p>
+            <a:r>
+              <a:rPr lang="de-DE" sz="1200" dirty="0" smtClean="0"/>
+              <a:t>Weitere Ursache </a:t>
+            </a:r>
+            <a:r>
+              <a:rPr lang="de-DE" sz="1200" dirty="0" err="1" smtClean="0"/>
+              <a:t>Cofragmentierung</a:t>
+            </a:r>
+            <a:r>
+              <a:rPr lang="de-DE" sz="1200" dirty="0" smtClean="0"/>
+              <a:t> von mehreren Peptiden.</a:t>
             </a:r>
             <a:endParaRPr lang="en-US" sz="1200" dirty="0"/>
           </a:p>
@@ -3161,7 +3171,7 @@
         <p:spPr>
           <a:xfrm>
             <a:off x="4043323" y="1416224"/>
-            <a:ext cx="5597837" cy="5616624"/>
+            <a:ext cx="5309805" cy="5616624"/>
           </a:xfrm>
           <a:prstGeom prst="roundRect">
             <a:avLst/>
@@ -3708,8 +3718,8 @@
         </p:nvSpPr>
         <p:spPr>
           <a:xfrm>
-            <a:off x="9849272" y="1416224"/>
-            <a:ext cx="2960240" cy="5616624"/>
+            <a:off x="9497144" y="912168"/>
+            <a:ext cx="3312368" cy="6192687"/>
           </a:xfrm>
           <a:prstGeom prst="roundRect">
             <a:avLst/>
@@ -3741,6 +3751,73 @@
             </a:r>
           </a:p>
           <a:p>
+            <a:r>
+              <a:rPr lang="de-DE" sz="1400" i="1" dirty="0" smtClean="0"/>
+              <a:t>Hängt ab von</a:t>
+            </a:r>
+          </a:p>
+          <a:p>
+            <a:pPr marL="457200" indent="-457200">
+              <a:buFont typeface="+mj-lt"/>
+              <a:buAutoNum type="arabicPeriod"/>
+            </a:pPr>
+            <a:r>
+              <a:rPr lang="de-DE" sz="1100" dirty="0" smtClean="0"/>
+              <a:t>Qualität des </a:t>
+            </a:r>
+            <a:r>
+              <a:rPr lang="de-DE" sz="1100" dirty="0" err="1" smtClean="0"/>
+              <a:t>Scores</a:t>
+            </a:r>
+            <a:endParaRPr lang="de-DE" sz="1100" dirty="0" smtClean="0"/>
+          </a:p>
+          <a:p>
+            <a:pPr marL="457200" indent="-457200">
+              <a:buFont typeface="+mj-lt"/>
+              <a:buAutoNum type="arabicPeriod"/>
+            </a:pPr>
+            <a:r>
+              <a:rPr lang="de-DE" sz="1100" dirty="0" smtClean="0"/>
+              <a:t>Quality of </a:t>
+            </a:r>
+            <a:r>
+              <a:rPr lang="de-DE" sz="1100" dirty="0" err="1" smtClean="0"/>
+              <a:t>the</a:t>
+            </a:r>
+            <a:r>
+              <a:rPr lang="de-DE" sz="1100" dirty="0" smtClean="0"/>
+              <a:t> </a:t>
+            </a:r>
+            <a:r>
+              <a:rPr lang="de-DE" sz="1100" dirty="0" err="1" smtClean="0"/>
+              <a:t>spectra</a:t>
+            </a:r>
+            <a:endParaRPr lang="de-DE" sz="1100" dirty="0" smtClean="0"/>
+          </a:p>
+          <a:p>
+            <a:pPr marL="457200" indent="-457200">
+              <a:buFont typeface="+mj-lt"/>
+              <a:buAutoNum type="arabicPeriod"/>
+            </a:pPr>
+            <a:r>
+              <a:rPr lang="de-DE" sz="1100" dirty="0" smtClean="0"/>
+              <a:t>Size of </a:t>
+            </a:r>
+            <a:r>
+              <a:rPr lang="de-DE" sz="1100" dirty="0" err="1" smtClean="0"/>
+              <a:t>the</a:t>
+            </a:r>
+            <a:r>
+              <a:rPr lang="de-DE" sz="1100" dirty="0" smtClean="0"/>
+              <a:t> </a:t>
+            </a:r>
+            <a:r>
+              <a:rPr lang="de-DE" sz="1100" dirty="0" err="1" smtClean="0"/>
+              <a:t>database</a:t>
+            </a:r>
+            <a:endParaRPr lang="de-DE" sz="1100" dirty="0" smtClean="0"/>
+          </a:p>
+          <a:p>
             <a:pPr marL="342900" indent="-342900">
               <a:buFont typeface="Arial" pitchFamily="34" charset="0"/>
               <a:buChar char="•"/>
@@ -4004,11 +4081,671 @@
               <a:t>frequency</a:t>
             </a:r>
             <a:r>
-              <a:rPr lang="de-DE" sz="1000" smtClean="0">
+              <a:rPr lang="de-DE" sz="1000" dirty="0" smtClean="0">
                 <a:sym typeface="Wingdings" pitchFamily="2" charset="2"/>
               </a:rPr>
               <a:t> Normalverteilung[Stehen 2004, p 706]</a:t>
             </a:r>
+          </a:p>
+          <a:p>
+            <a:pPr marL="342900" indent="-342900">
+              <a:buFont typeface="Arial" pitchFamily="34" charset="0"/>
+              <a:buChar char="•"/>
+            </a:pPr>
+            <a:r>
+              <a:rPr lang="de-DE" sz="1000" dirty="0" smtClean="0">
+                <a:sym typeface="Wingdings" pitchFamily="2" charset="2"/>
+              </a:rPr>
+              <a:t>Target </a:t>
+            </a:r>
+            <a:r>
+              <a:rPr lang="de-DE" sz="1000" dirty="0" err="1" smtClean="0">
+                <a:sym typeface="Wingdings" pitchFamily="2" charset="2"/>
+              </a:rPr>
+              <a:t>Decoy</a:t>
+            </a:r>
+            <a:r>
+              <a:rPr lang="de-DE" sz="1000" dirty="0" smtClean="0">
+                <a:sym typeface="Wingdings" pitchFamily="2" charset="2"/>
+              </a:rPr>
+              <a:t> für Ähnlichkeitssuche </a:t>
+            </a:r>
+            <a:r>
+              <a:rPr lang="de-DE" sz="1000" dirty="0" err="1" smtClean="0">
+                <a:sym typeface="Wingdings" pitchFamily="2" charset="2"/>
+              </a:rPr>
+              <a:t>Spektrendatenbank</a:t>
+            </a:r>
+            <a:r>
+              <a:rPr lang="de-DE" sz="1000" dirty="0" smtClean="0">
+                <a:sym typeface="Wingdings" pitchFamily="2" charset="2"/>
+              </a:rPr>
+              <a:t> durchwürfeln und schauen </a:t>
+            </a:r>
+            <a:r>
+              <a:rPr lang="de-DE" sz="1000" dirty="0" err="1" smtClean="0">
+                <a:sym typeface="Wingdings" pitchFamily="2" charset="2"/>
+              </a:rPr>
+              <a:t>wieviel</a:t>
+            </a:r>
+            <a:r>
+              <a:rPr lang="de-DE" sz="1000" dirty="0" smtClean="0">
+                <a:sym typeface="Wingdings" pitchFamily="2" charset="2"/>
+              </a:rPr>
+              <a:t> gefunden wird (</a:t>
+            </a:r>
+            <a:r>
+              <a:rPr lang="de-DE" sz="1000" dirty="0" err="1" smtClean="0">
+                <a:sym typeface="Wingdings" pitchFamily="2" charset="2"/>
+              </a:rPr>
+              <a:t>me</a:t>
+            </a:r>
+            <a:r>
+              <a:rPr lang="de-DE" sz="1000" dirty="0" smtClean="0">
+                <a:sym typeface="Wingdings" pitchFamily="2" charset="2"/>
+              </a:rPr>
+              <a:t>)</a:t>
+            </a:r>
+          </a:p>
+          <a:p>
+            <a:pPr marL="342900" indent="-342900">
+              <a:buFont typeface="Arial" pitchFamily="34" charset="0"/>
+              <a:buChar char="•"/>
+            </a:pPr>
+            <a:r>
+              <a:rPr lang="de-DE" sz="1000" dirty="0" err="1" smtClean="0">
+                <a:sym typeface="Wingdings" pitchFamily="2" charset="2"/>
+              </a:rPr>
+              <a:t>Soring</a:t>
+            </a:r>
+            <a:r>
+              <a:rPr lang="de-DE" sz="1000" dirty="0" smtClean="0">
+                <a:sym typeface="Wingdings" pitchFamily="2" charset="2"/>
+              </a:rPr>
+              <a:t> </a:t>
+            </a:r>
+            <a:r>
+              <a:rPr lang="de-DE" sz="1000" dirty="0" err="1" smtClean="0">
+                <a:sym typeface="Wingdings" pitchFamily="2" charset="2"/>
+              </a:rPr>
+              <a:t>schemes</a:t>
+            </a:r>
+            <a:r>
+              <a:rPr lang="de-DE" sz="1000" dirty="0" smtClean="0">
+                <a:sym typeface="Wingdings" pitchFamily="2" charset="2"/>
+              </a:rPr>
+              <a:t> [</a:t>
+            </a:r>
+            <a:r>
+              <a:rPr lang="de-DE" sz="1000" dirty="0" err="1" smtClean="0">
+                <a:sym typeface="Wingdings" pitchFamily="2" charset="2"/>
+              </a:rPr>
+              <a:t>Nesvizskii</a:t>
+            </a:r>
+            <a:r>
+              <a:rPr lang="de-DE" sz="1000" dirty="0" smtClean="0">
+                <a:sym typeface="Wingdings" pitchFamily="2" charset="2"/>
+              </a:rPr>
+              <a:t> 2007]: </a:t>
+            </a:r>
+          </a:p>
+          <a:p>
+            <a:pPr marL="620713" lvl="1" indent="-168275">
+              <a:buFont typeface="Arial" pitchFamily="34" charset="0"/>
+              <a:buChar char="•"/>
+              <a:tabLst>
+                <a:tab pos="712788" algn="l"/>
+              </a:tabLst>
+            </a:pPr>
+            <a:r>
+              <a:rPr lang="de-DE" sz="1000" dirty="0" err="1" smtClean="0">
+                <a:sym typeface="Wingdings" pitchFamily="2" charset="2"/>
+              </a:rPr>
+              <a:t>Spectral</a:t>
+            </a:r>
+            <a:r>
+              <a:rPr lang="de-DE" sz="1000" dirty="0" smtClean="0">
+                <a:sym typeface="Wingdings" pitchFamily="2" charset="2"/>
+              </a:rPr>
+              <a:t> </a:t>
+            </a:r>
+            <a:r>
+              <a:rPr lang="de-DE" sz="1000" dirty="0" err="1" smtClean="0">
+                <a:sym typeface="Wingdings" pitchFamily="2" charset="2"/>
+              </a:rPr>
+              <a:t>correlation</a:t>
+            </a:r>
+            <a:r>
+              <a:rPr lang="de-DE" sz="1000" dirty="0" smtClean="0">
+                <a:sym typeface="Wingdings" pitchFamily="2" charset="2"/>
+              </a:rPr>
+              <a:t> ( </a:t>
+            </a:r>
+            <a:r>
+              <a:rPr lang="de-DE" sz="1000" dirty="0" err="1" smtClean="0">
+                <a:sym typeface="Wingdings" pitchFamily="2" charset="2"/>
+              </a:rPr>
+              <a:t>Sequest</a:t>
+            </a:r>
+            <a:r>
+              <a:rPr lang="de-DE" sz="1000" dirty="0" smtClean="0">
+                <a:sym typeface="Wingdings" pitchFamily="2" charset="2"/>
+              </a:rPr>
+              <a:t>)</a:t>
+            </a:r>
+          </a:p>
+          <a:p>
+            <a:pPr marL="620713" lvl="1" indent="-168275">
+              <a:buFont typeface="Arial" pitchFamily="34" charset="0"/>
+              <a:buChar char="•"/>
+              <a:tabLst>
+                <a:tab pos="712788" algn="l"/>
+              </a:tabLst>
+            </a:pPr>
+            <a:r>
+              <a:rPr lang="de-DE" sz="1000" dirty="0" err="1" smtClean="0">
+                <a:sym typeface="Wingdings" pitchFamily="2" charset="2"/>
+              </a:rPr>
+              <a:t>Shared</a:t>
+            </a:r>
+            <a:r>
+              <a:rPr lang="de-DE" sz="1000" dirty="0" smtClean="0">
+                <a:sym typeface="Wingdings" pitchFamily="2" charset="2"/>
+              </a:rPr>
+              <a:t> </a:t>
+            </a:r>
+            <a:r>
+              <a:rPr lang="de-DE" sz="1000" dirty="0" err="1" smtClean="0">
+                <a:sym typeface="Wingdings" pitchFamily="2" charset="2"/>
+              </a:rPr>
+              <a:t>fragment</a:t>
+            </a:r>
+            <a:r>
+              <a:rPr lang="de-DE" sz="1000" dirty="0" smtClean="0">
+                <a:sym typeface="Wingdings" pitchFamily="2" charset="2"/>
+              </a:rPr>
+              <a:t> </a:t>
+            </a:r>
+            <a:r>
+              <a:rPr lang="de-DE" sz="1000" dirty="0" err="1" smtClean="0">
+                <a:sym typeface="Wingdings" pitchFamily="2" charset="2"/>
+              </a:rPr>
+              <a:t>count</a:t>
+            </a:r>
+            <a:r>
+              <a:rPr lang="de-DE" sz="1000" dirty="0" smtClean="0">
+                <a:sym typeface="Wingdings" pitchFamily="2" charset="2"/>
+              </a:rPr>
+              <a:t>, </a:t>
+            </a:r>
+            <a:r>
+              <a:rPr lang="de-DE" sz="1000" dirty="0" err="1" smtClean="0">
+                <a:sym typeface="Wingdings" pitchFamily="2" charset="2"/>
+              </a:rPr>
+              <a:t>dot</a:t>
+            </a:r>
+            <a:r>
+              <a:rPr lang="de-DE" sz="1000" dirty="0" smtClean="0">
+                <a:sym typeface="Wingdings" pitchFamily="2" charset="2"/>
+              </a:rPr>
+              <a:t> </a:t>
+            </a:r>
+            <a:r>
+              <a:rPr lang="de-DE" sz="1000" dirty="0" err="1" smtClean="0">
+                <a:sym typeface="Wingdings" pitchFamily="2" charset="2"/>
+              </a:rPr>
+              <a:t>product</a:t>
+            </a:r>
+            <a:r>
+              <a:rPr lang="de-DE" sz="1000" dirty="0" smtClean="0">
+                <a:sym typeface="Wingdings" pitchFamily="2" charset="2"/>
+              </a:rPr>
+              <a:t> (TANDEM, OMSSA, MASCOT)</a:t>
+            </a:r>
+          </a:p>
+          <a:p>
+            <a:pPr marL="620713" lvl="1" indent="-168275">
+              <a:buFont typeface="Arial" pitchFamily="34" charset="0"/>
+              <a:buChar char="•"/>
+              <a:tabLst>
+                <a:tab pos="712788" algn="l"/>
+              </a:tabLst>
+            </a:pPr>
+            <a:r>
+              <a:rPr lang="de-DE" sz="1000" dirty="0" err="1" smtClean="0">
+                <a:sym typeface="Wingdings" pitchFamily="2" charset="2"/>
+              </a:rPr>
+              <a:t>Emperically</a:t>
+            </a:r>
+            <a:r>
+              <a:rPr lang="de-DE" sz="1000" dirty="0" smtClean="0">
+                <a:sym typeface="Wingdings" pitchFamily="2" charset="2"/>
+              </a:rPr>
+              <a:t> </a:t>
+            </a:r>
+            <a:r>
+              <a:rPr lang="de-DE" sz="1000" dirty="0" err="1" smtClean="0">
+                <a:sym typeface="Wingdings" pitchFamily="2" charset="2"/>
+              </a:rPr>
+              <a:t>observed</a:t>
+            </a:r>
+            <a:r>
+              <a:rPr lang="de-DE" sz="1000" dirty="0" smtClean="0">
+                <a:sym typeface="Wingdings" pitchFamily="2" charset="2"/>
+              </a:rPr>
+              <a:t> </a:t>
+            </a:r>
+            <a:r>
+              <a:rPr lang="de-DE" sz="1000" dirty="0" err="1" smtClean="0">
+                <a:sym typeface="Wingdings" pitchFamily="2" charset="2"/>
+              </a:rPr>
+              <a:t>rules</a:t>
+            </a:r>
+            <a:r>
+              <a:rPr lang="de-DE" sz="1000" dirty="0" smtClean="0">
+                <a:sym typeface="Wingdings" pitchFamily="2" charset="2"/>
+              </a:rPr>
+              <a:t> (</a:t>
+            </a:r>
+            <a:r>
+              <a:rPr lang="de-DE" sz="1000" dirty="0" err="1" smtClean="0">
+                <a:sym typeface="Wingdings" pitchFamily="2" charset="2"/>
+              </a:rPr>
+              <a:t>Spectrum</a:t>
+            </a:r>
+            <a:r>
+              <a:rPr lang="de-DE" sz="1000" dirty="0" smtClean="0">
+                <a:sym typeface="Wingdings" pitchFamily="2" charset="2"/>
+              </a:rPr>
+              <a:t> MILL)</a:t>
+            </a:r>
+          </a:p>
+          <a:p>
+            <a:pPr marL="620713" lvl="1" indent="-168275">
+              <a:buFont typeface="Arial" pitchFamily="34" charset="0"/>
+              <a:buChar char="•"/>
+              <a:tabLst>
+                <a:tab pos="712788" algn="l"/>
+              </a:tabLst>
+            </a:pPr>
+            <a:r>
+              <a:rPr lang="de-DE" sz="1000" dirty="0" err="1" smtClean="0">
+                <a:sym typeface="Wingdings" pitchFamily="2" charset="2"/>
+              </a:rPr>
+              <a:t>Statistically</a:t>
+            </a:r>
+            <a:r>
+              <a:rPr lang="de-DE" sz="1000" dirty="0" smtClean="0">
+                <a:sym typeface="Wingdings" pitchFamily="2" charset="2"/>
+              </a:rPr>
+              <a:t> </a:t>
+            </a:r>
+            <a:r>
+              <a:rPr lang="de-DE" sz="1000" dirty="0" err="1" smtClean="0">
+                <a:sym typeface="Wingdings" pitchFamily="2" charset="2"/>
+              </a:rPr>
+              <a:t>derived</a:t>
+            </a:r>
+            <a:r>
+              <a:rPr lang="de-DE" sz="1000" dirty="0" smtClean="0">
+                <a:sym typeface="Wingdings" pitchFamily="2" charset="2"/>
+              </a:rPr>
+              <a:t> </a:t>
+            </a:r>
+            <a:r>
+              <a:rPr lang="de-DE" sz="1000" dirty="0" err="1" smtClean="0">
+                <a:sym typeface="Wingdings" pitchFamily="2" charset="2"/>
+              </a:rPr>
+              <a:t>fragmentation</a:t>
+            </a:r>
+            <a:r>
+              <a:rPr lang="de-DE" sz="1000" dirty="0" smtClean="0">
+                <a:sym typeface="Wingdings" pitchFamily="2" charset="2"/>
+              </a:rPr>
+              <a:t> </a:t>
+            </a:r>
+            <a:r>
+              <a:rPr lang="de-DE" sz="1000" dirty="0" err="1" smtClean="0">
+                <a:sym typeface="Wingdings" pitchFamily="2" charset="2"/>
+              </a:rPr>
+              <a:t>rules</a:t>
+            </a:r>
+            <a:r>
+              <a:rPr lang="de-DE" sz="1000" dirty="0" smtClean="0">
+                <a:sym typeface="Wingdings" pitchFamily="2" charset="2"/>
+              </a:rPr>
+              <a:t> (PHENYX)</a:t>
+            </a:r>
+          </a:p>
+          <a:p>
+            <a:pPr marL="620713" lvl="1" indent="-168275">
+              <a:buFont typeface="Arial" pitchFamily="34" charset="0"/>
+              <a:buChar char="•"/>
+              <a:tabLst>
+                <a:tab pos="712788" algn="l"/>
+              </a:tabLst>
+            </a:pPr>
+            <a:r>
+              <a:rPr lang="de-DE" sz="1000" dirty="0" err="1" smtClean="0">
+                <a:sym typeface="Wingdings" pitchFamily="2" charset="2"/>
+              </a:rPr>
+              <a:t>Based</a:t>
+            </a:r>
+            <a:r>
+              <a:rPr lang="de-DE" sz="1000" dirty="0" smtClean="0">
+                <a:sym typeface="Wingdings" pitchFamily="2" charset="2"/>
+              </a:rPr>
+              <a:t> on </a:t>
+            </a:r>
+            <a:r>
+              <a:rPr lang="de-DE" sz="1000" dirty="0" err="1" smtClean="0">
+                <a:sym typeface="Wingdings" pitchFamily="2" charset="2"/>
+              </a:rPr>
+              <a:t>arbitrary</a:t>
+            </a:r>
+            <a:r>
+              <a:rPr lang="de-DE" sz="1000" dirty="0" smtClean="0">
+                <a:sym typeface="Wingdings" pitchFamily="2" charset="2"/>
+              </a:rPr>
+              <a:t> </a:t>
+            </a:r>
+            <a:r>
+              <a:rPr lang="de-DE" sz="1000" dirty="0" err="1" smtClean="0">
+                <a:sym typeface="Wingdings" pitchFamily="2" charset="2"/>
+              </a:rPr>
+              <a:t>scale</a:t>
+            </a:r>
+            <a:r>
+              <a:rPr lang="de-DE" sz="1000" dirty="0" smtClean="0">
+                <a:sym typeface="Wingdings" pitchFamily="2" charset="2"/>
+              </a:rPr>
+              <a:t> (</a:t>
+            </a:r>
+            <a:r>
+              <a:rPr lang="de-DE" sz="1000" dirty="0" err="1" smtClean="0">
+                <a:sym typeface="Wingdings" pitchFamily="2" charset="2"/>
+              </a:rPr>
+              <a:t>Xscorr</a:t>
+            </a:r>
+            <a:r>
+              <a:rPr lang="de-DE" sz="1000" dirty="0" smtClean="0">
+                <a:sym typeface="Wingdings" pitchFamily="2" charset="2"/>
+              </a:rPr>
+              <a:t> bei SEQUEST)</a:t>
+            </a:r>
+          </a:p>
+          <a:p>
+            <a:pPr marL="620713" lvl="1" indent="-168275">
+              <a:buFont typeface="Arial" pitchFamily="34" charset="0"/>
+              <a:buChar char="•"/>
+              <a:tabLst>
+                <a:tab pos="712788" algn="l"/>
+              </a:tabLst>
+            </a:pPr>
+            <a:r>
+              <a:rPr lang="de-DE" sz="1000" dirty="0" smtClean="0">
+                <a:sym typeface="Wingdings" pitchFamily="2" charset="2"/>
+              </a:rPr>
+              <a:t>E-</a:t>
+            </a:r>
+            <a:r>
+              <a:rPr lang="de-DE" sz="1000" dirty="0" err="1" smtClean="0">
+                <a:sym typeface="Wingdings" pitchFamily="2" charset="2"/>
+              </a:rPr>
+              <a:t>value</a:t>
+            </a:r>
+            <a:r>
+              <a:rPr lang="de-DE" sz="1000" dirty="0" smtClean="0">
+                <a:sym typeface="Wingdings" pitchFamily="2" charset="2"/>
+              </a:rPr>
+              <a:t> </a:t>
+            </a:r>
+            <a:r>
+              <a:rPr lang="de-DE" sz="1000" dirty="0" err="1" smtClean="0">
+                <a:sym typeface="Wingdings" pitchFamily="2" charset="2"/>
+              </a:rPr>
+              <a:t>expected</a:t>
+            </a:r>
+            <a:r>
+              <a:rPr lang="de-DE" sz="1000" dirty="0" smtClean="0">
+                <a:sym typeface="Wingdings" pitchFamily="2" charset="2"/>
+              </a:rPr>
+              <a:t> </a:t>
+            </a:r>
+            <a:r>
+              <a:rPr lang="de-DE" sz="1000" dirty="0" err="1" smtClean="0">
+                <a:sym typeface="Wingdings" pitchFamily="2" charset="2"/>
+              </a:rPr>
+              <a:t>number</a:t>
+            </a:r>
+            <a:r>
+              <a:rPr lang="de-DE" sz="1000" dirty="0" smtClean="0">
+                <a:sym typeface="Wingdings" pitchFamily="2" charset="2"/>
+              </a:rPr>
+              <a:t> of  </a:t>
+            </a:r>
+            <a:r>
+              <a:rPr lang="de-DE" sz="1000" dirty="0" err="1" smtClean="0">
+                <a:sym typeface="Wingdings" pitchFamily="2" charset="2"/>
+              </a:rPr>
+              <a:t>peptides</a:t>
+            </a:r>
+            <a:r>
+              <a:rPr lang="de-DE" sz="1000" dirty="0" smtClean="0">
+                <a:sym typeface="Wingdings" pitchFamily="2" charset="2"/>
+              </a:rPr>
+              <a:t> </a:t>
+            </a:r>
+            <a:r>
+              <a:rPr lang="de-DE" sz="1000" dirty="0" err="1" smtClean="0">
+                <a:sym typeface="Wingdings" pitchFamily="2" charset="2"/>
+              </a:rPr>
+              <a:t>expected</a:t>
+            </a:r>
+            <a:r>
+              <a:rPr lang="de-DE" sz="1000" dirty="0" smtClean="0">
+                <a:sym typeface="Wingdings" pitchFamily="2" charset="2"/>
+              </a:rPr>
+              <a:t> </a:t>
+            </a:r>
+            <a:r>
+              <a:rPr lang="de-DE" sz="1000" dirty="0" err="1" smtClean="0">
+                <a:sym typeface="Wingdings" pitchFamily="2" charset="2"/>
+              </a:rPr>
+              <a:t>with</a:t>
+            </a:r>
+            <a:r>
+              <a:rPr lang="de-DE" sz="1000" dirty="0" smtClean="0">
+                <a:sym typeface="Wingdings" pitchFamily="2" charset="2"/>
+              </a:rPr>
+              <a:t> </a:t>
+            </a:r>
+            <a:r>
+              <a:rPr lang="de-DE" sz="1000" dirty="0" err="1" smtClean="0">
+                <a:sym typeface="Wingdings" pitchFamily="2" charset="2"/>
+              </a:rPr>
+              <a:t>scores</a:t>
+            </a:r>
+            <a:r>
+              <a:rPr lang="de-DE" sz="1000" dirty="0" smtClean="0">
+                <a:sym typeface="Wingdings" pitchFamily="2" charset="2"/>
+              </a:rPr>
+              <a:t> </a:t>
+            </a:r>
+            <a:r>
+              <a:rPr lang="de-DE" sz="1000" dirty="0" err="1" smtClean="0">
+                <a:sym typeface="Wingdings" pitchFamily="2" charset="2"/>
+              </a:rPr>
+              <a:t>equal</a:t>
+            </a:r>
+            <a:r>
+              <a:rPr lang="de-DE" sz="1000" dirty="0" smtClean="0">
+                <a:sym typeface="Wingdings" pitchFamily="2" charset="2"/>
+              </a:rPr>
+              <a:t> </a:t>
+            </a:r>
+            <a:r>
+              <a:rPr lang="de-DE" sz="1000" dirty="0" err="1" smtClean="0">
+                <a:sym typeface="Wingdings" pitchFamily="2" charset="2"/>
+              </a:rPr>
+              <a:t>or</a:t>
+            </a:r>
+            <a:r>
+              <a:rPr lang="de-DE" sz="1000" dirty="0" smtClean="0">
+                <a:sym typeface="Wingdings" pitchFamily="2" charset="2"/>
+              </a:rPr>
+              <a:t> </a:t>
+            </a:r>
+            <a:r>
+              <a:rPr lang="de-DE" sz="1000" dirty="0" err="1" smtClean="0">
+                <a:sym typeface="Wingdings" pitchFamily="2" charset="2"/>
+              </a:rPr>
+              <a:t>better</a:t>
+            </a:r>
+            <a:r>
+              <a:rPr lang="de-DE" sz="1000" dirty="0" smtClean="0">
+                <a:sym typeface="Wingdings" pitchFamily="2" charset="2"/>
+              </a:rPr>
+              <a:t> (Annahme </a:t>
+            </a:r>
+            <a:r>
+              <a:rPr lang="de-DE" sz="1000" dirty="0" err="1" smtClean="0">
+                <a:sym typeface="Wingdings" pitchFamily="2" charset="2"/>
+              </a:rPr>
+              <a:t>database</a:t>
+            </a:r>
+            <a:r>
+              <a:rPr lang="de-DE" sz="1000" dirty="0" smtClean="0">
+                <a:sym typeface="Wingdings" pitchFamily="2" charset="2"/>
+              </a:rPr>
+              <a:t> </a:t>
+            </a:r>
+            <a:r>
+              <a:rPr lang="de-DE" sz="1000" dirty="0" err="1" smtClean="0">
+                <a:sym typeface="Wingdings" pitchFamily="2" charset="2"/>
+              </a:rPr>
+              <a:t>search</a:t>
+            </a:r>
+            <a:r>
+              <a:rPr lang="de-DE" sz="1000" dirty="0" smtClean="0">
+                <a:sym typeface="Wingdings" pitchFamily="2" charset="2"/>
+              </a:rPr>
+              <a:t>  </a:t>
+            </a:r>
+            <a:r>
+              <a:rPr lang="de-DE" sz="1000" dirty="0" err="1" smtClean="0">
+                <a:sym typeface="Wingdings" pitchFamily="2" charset="2"/>
+              </a:rPr>
+              <a:t>follows</a:t>
+            </a:r>
+            <a:r>
+              <a:rPr lang="de-DE" sz="1000" dirty="0" smtClean="0">
+                <a:sym typeface="Wingdings" pitchFamily="2" charset="2"/>
+              </a:rPr>
+              <a:t> </a:t>
+            </a:r>
+            <a:r>
+              <a:rPr lang="de-DE" sz="1000" dirty="0" err="1" smtClean="0">
+                <a:sym typeface="Wingdings" pitchFamily="2" charset="2"/>
+              </a:rPr>
+              <a:t>certain</a:t>
+            </a:r>
+            <a:r>
+              <a:rPr lang="de-DE" sz="1000" dirty="0" smtClean="0">
+                <a:sym typeface="Wingdings" pitchFamily="2" charset="2"/>
+              </a:rPr>
+              <a:t> </a:t>
+            </a:r>
+            <a:r>
+              <a:rPr lang="de-DE" sz="1000" dirty="0" err="1" smtClean="0">
+                <a:sym typeface="Wingdings" pitchFamily="2" charset="2"/>
+              </a:rPr>
+              <a:t>distribution</a:t>
+            </a:r>
+            <a:r>
+              <a:rPr lang="de-DE" sz="1000" dirty="0" smtClean="0">
+                <a:sym typeface="Wingdings" pitchFamily="2" charset="2"/>
+              </a:rPr>
+              <a:t>)</a:t>
+            </a:r>
+          </a:p>
+          <a:p>
+            <a:pPr marL="342900" indent="-342900">
+              <a:buFont typeface="Arial" pitchFamily="34" charset="0"/>
+              <a:buChar char="•"/>
+            </a:pPr>
+            <a:r>
+              <a:rPr lang="de-DE" sz="1000" dirty="0" smtClean="0">
+                <a:sym typeface="Wingdings" pitchFamily="2" charset="2"/>
+              </a:rPr>
+              <a:t>Nutzen von zusätzlichen Infos:  Massengenauigkeit, Peptide </a:t>
+            </a:r>
+            <a:r>
+              <a:rPr lang="de-DE" sz="1000" dirty="0" err="1" smtClean="0">
+                <a:sym typeface="Wingdings" pitchFamily="2" charset="2"/>
+              </a:rPr>
+              <a:t>separation</a:t>
+            </a:r>
+            <a:r>
+              <a:rPr lang="de-DE" sz="1000" dirty="0" smtClean="0">
+                <a:sym typeface="Wingdings" pitchFamily="2" charset="2"/>
+              </a:rPr>
+              <a:t> </a:t>
+            </a:r>
+            <a:r>
+              <a:rPr lang="de-DE" sz="1000" dirty="0" err="1" smtClean="0">
+                <a:sym typeface="Wingdings" pitchFamily="2" charset="2"/>
+              </a:rPr>
+              <a:t>infos</a:t>
+            </a:r>
+            <a:r>
+              <a:rPr lang="de-DE" sz="1000" dirty="0" smtClean="0">
+                <a:sym typeface="Wingdings" pitchFamily="2" charset="2"/>
+              </a:rPr>
+              <a:t> </a:t>
+            </a:r>
+            <a:r>
+              <a:rPr lang="de-DE" sz="1000" dirty="0" err="1" smtClean="0">
+                <a:sym typeface="Wingdings" pitchFamily="2" charset="2"/>
+              </a:rPr>
+              <a:t>pI</a:t>
+            </a:r>
+            <a:r>
+              <a:rPr lang="de-DE" sz="1000" dirty="0" smtClean="0">
+                <a:sym typeface="Wingdings" pitchFamily="2" charset="2"/>
+              </a:rPr>
+              <a:t>, MW [</a:t>
+            </a:r>
+            <a:r>
+              <a:rPr lang="de-DE" sz="1000" dirty="0" err="1" smtClean="0">
+                <a:sym typeface="Wingdings" pitchFamily="2" charset="2"/>
+              </a:rPr>
+              <a:t>Nesvizskii</a:t>
+            </a:r>
+            <a:r>
+              <a:rPr lang="de-DE" sz="1000" dirty="0" smtClean="0">
+                <a:sym typeface="Wingdings" pitchFamily="2" charset="2"/>
+              </a:rPr>
+              <a:t> 2007, p791]: </a:t>
+            </a:r>
+            <a:endParaRPr lang="de-DE" sz="1000" dirty="0">
+              <a:sym typeface="Wingdings" pitchFamily="2" charset="2"/>
+            </a:endParaRPr>
+          </a:p>
+          <a:p>
+            <a:pPr marL="712788" lvl="1" indent="-73025">
+              <a:buFont typeface="Arial" pitchFamily="34" charset="0"/>
+              <a:buChar char="•"/>
+            </a:pPr>
+            <a:endParaRPr lang="de-DE" sz="1000" dirty="0" smtClean="0">
+              <a:sym typeface="Wingdings" pitchFamily="2" charset="2"/>
+            </a:endParaRPr>
+          </a:p>
+          <a:p>
+            <a:pPr marL="342900" indent="-342900">
+              <a:buFont typeface="Arial" pitchFamily="34" charset="0"/>
+              <a:buChar char="•"/>
+            </a:pPr>
             <a:endParaRPr lang="de-DE" sz="1000" dirty="0" smtClean="0"/>
           </a:p>
           <a:p>
@@ -4582,6 +5319,70 @@
             <a:r>
               <a:rPr lang="de-DE" sz="1100" dirty="0" err="1" smtClean="0"/>
               <a:t>Isoformen</a:t>
+            </a:r>
+            <a:r>
+              <a:rPr lang="de-DE" sz="1100" dirty="0" smtClean="0"/>
+              <a:t>, untypische </a:t>
+            </a:r>
+            <a:r>
+              <a:rPr lang="de-DE" sz="1100" dirty="0" err="1" smtClean="0"/>
+              <a:t>Fragmemte</a:t>
+            </a:r>
+            <a:r>
+              <a:rPr lang="de-DE" sz="1100" dirty="0" smtClean="0"/>
+              <a:t> starkes Signal von Wasser oder Neutralitätsverlust aber schwaches y oder b Ion</a:t>
+            </a:r>
+          </a:p>
+          <a:p>
+            <a:pPr marL="171450" indent="-171450">
+              <a:buFont typeface="Arial" pitchFamily="34" charset="0"/>
+              <a:buChar char="•"/>
+            </a:pPr>
+            <a:r>
+              <a:rPr lang="de-DE" sz="1100" dirty="0" smtClean="0"/>
+              <a:t>Aufbauprinzip der </a:t>
+            </a:r>
+            <a:r>
+              <a:rPr lang="de-DE" sz="1100" dirty="0" err="1" smtClean="0"/>
+              <a:t>Spektrendatenbank</a:t>
+            </a:r>
+            <a:r>
+              <a:rPr lang="de-DE" sz="1100" dirty="0" smtClean="0"/>
+              <a:t> [Craig2006]</a:t>
+            </a:r>
+          </a:p>
+          <a:p>
+            <a:pPr marL="171450" indent="-171450">
+              <a:buFont typeface="Arial" pitchFamily="34" charset="0"/>
+              <a:buChar char="•"/>
+            </a:pPr>
+            <a:r>
+              <a:rPr lang="en-US" sz="1100" dirty="0" err="1" smtClean="0"/>
+              <a:t>Weiterer</a:t>
+            </a:r>
+            <a:r>
+              <a:rPr lang="en-US" sz="1100" dirty="0" smtClean="0"/>
+              <a:t> </a:t>
+            </a:r>
+            <a:r>
+              <a:rPr lang="en-US" sz="1100" dirty="0" err="1" smtClean="0"/>
+              <a:t>Suchlauf</a:t>
+            </a:r>
+            <a:r>
+              <a:rPr lang="en-US" sz="1100" dirty="0" smtClean="0"/>
+              <a:t> </a:t>
+            </a:r>
+            <a:r>
+              <a:rPr lang="en-US" sz="1100" dirty="0" err="1" smtClean="0"/>
+              <a:t>mit</a:t>
+            </a:r>
+            <a:r>
+              <a:rPr lang="en-US" sz="1100" dirty="0" smtClean="0"/>
+              <a:t> PTMs </a:t>
+            </a:r>
+            <a:r>
+              <a:rPr lang="en-US" sz="1100" smtClean="0"/>
+              <a:t>zulassen</a:t>
             </a:r>
             <a:endParaRPr lang="en-US" sz="1100" dirty="0"/>
           </a:p>

--- a/docu/Konzepte/UebersichtSpektrensuche.pptx
+++ b/docu/Konzepte/UebersichtSpektrensuche.pptx
@@ -1,6 +1,6 @@
 
 <file path=ppt/presentation.xml><?xml version="1.0" encoding="utf-8"?>
-<p:presentation xmlns:a="http://schemas.openxmlformats.org/drawingml/2006/main" xmlns:r="http://schemas.openxmlformats.org/officeDocument/2006/relationships" xmlns:p="http://schemas.openxmlformats.org/presentationml/2006/main" serverZoom="3313" saveSubsetFonts="1">
+<p:presentation xmlns:a="http://schemas.openxmlformats.org/drawingml/2006/main" xmlns:r="http://schemas.openxmlformats.org/officeDocument/2006/relationships" xmlns:p="http://schemas.openxmlformats.org/presentationml/2006/main" serverZoom="2137" saveSubsetFonts="1">
   <p:sldMasterIdLst>
     <p:sldMasterId id="2147483648" r:id="rId1"/>
   </p:sldMasterIdLst>
@@ -288,7 +288,7 @@
           <a:p>
             <a:fld id="{4D1464AD-1CE0-48FF-888D-459EC53785DB}" type="datetimeFigureOut">
               <a:rPr lang="en-US" smtClean="0"/>
-              <a:t>10/11/2011</a:t>
+              <a:t>10/14/2011</a:t>
             </a:fld>
             <a:endParaRPr lang="en-US"/>
           </a:p>
@@ -458,7 +458,7 @@
           <a:p>
             <a:fld id="{4D1464AD-1CE0-48FF-888D-459EC53785DB}" type="datetimeFigureOut">
               <a:rPr lang="en-US" smtClean="0"/>
-              <a:t>10/11/2011</a:t>
+              <a:t>10/14/2011</a:t>
             </a:fld>
             <a:endParaRPr lang="en-US"/>
           </a:p>
@@ -638,7 +638,7 @@
           <a:p>
             <a:fld id="{4D1464AD-1CE0-48FF-888D-459EC53785DB}" type="datetimeFigureOut">
               <a:rPr lang="en-US" smtClean="0"/>
-              <a:t>10/11/2011</a:t>
+              <a:t>10/14/2011</a:t>
             </a:fld>
             <a:endParaRPr lang="en-US"/>
           </a:p>
@@ -808,7 +808,7 @@
           <a:p>
             <a:fld id="{4D1464AD-1CE0-48FF-888D-459EC53785DB}" type="datetimeFigureOut">
               <a:rPr lang="en-US" smtClean="0"/>
-              <a:t>10/11/2011</a:t>
+              <a:t>10/14/2011</a:t>
             </a:fld>
             <a:endParaRPr lang="en-US"/>
           </a:p>
@@ -1054,7 +1054,7 @@
           <a:p>
             <a:fld id="{4D1464AD-1CE0-48FF-888D-459EC53785DB}" type="datetimeFigureOut">
               <a:rPr lang="en-US" smtClean="0"/>
-              <a:t>10/11/2011</a:t>
+              <a:t>10/14/2011</a:t>
             </a:fld>
             <a:endParaRPr lang="en-US"/>
           </a:p>
@@ -1342,7 +1342,7 @@
           <a:p>
             <a:fld id="{4D1464AD-1CE0-48FF-888D-459EC53785DB}" type="datetimeFigureOut">
               <a:rPr lang="en-US" smtClean="0"/>
-              <a:t>10/11/2011</a:t>
+              <a:t>10/14/2011</a:t>
             </a:fld>
             <a:endParaRPr lang="en-US"/>
           </a:p>
@@ -1764,7 +1764,7 @@
           <a:p>
             <a:fld id="{4D1464AD-1CE0-48FF-888D-459EC53785DB}" type="datetimeFigureOut">
               <a:rPr lang="en-US" smtClean="0"/>
-              <a:t>10/11/2011</a:t>
+              <a:t>10/14/2011</a:t>
             </a:fld>
             <a:endParaRPr lang="en-US"/>
           </a:p>
@@ -1882,7 +1882,7 @@
           <a:p>
             <a:fld id="{4D1464AD-1CE0-48FF-888D-459EC53785DB}" type="datetimeFigureOut">
               <a:rPr lang="en-US" smtClean="0"/>
-              <a:t>10/11/2011</a:t>
+              <a:t>10/14/2011</a:t>
             </a:fld>
             <a:endParaRPr lang="en-US"/>
           </a:p>
@@ -1977,7 +1977,7 @@
           <a:p>
             <a:fld id="{4D1464AD-1CE0-48FF-888D-459EC53785DB}" type="datetimeFigureOut">
               <a:rPr lang="en-US" smtClean="0"/>
-              <a:t>10/11/2011</a:t>
+              <a:t>10/14/2011</a:t>
             </a:fld>
             <a:endParaRPr lang="en-US"/>
           </a:p>
@@ -2254,7 +2254,7 @@
           <a:p>
             <a:fld id="{4D1464AD-1CE0-48FF-888D-459EC53785DB}" type="datetimeFigureOut">
               <a:rPr lang="en-US" smtClean="0"/>
-              <a:t>10/11/2011</a:t>
+              <a:t>10/14/2011</a:t>
             </a:fld>
             <a:endParaRPr lang="en-US"/>
           </a:p>
@@ -2507,7 +2507,7 @@
           <a:p>
             <a:fld id="{4D1464AD-1CE0-48FF-888D-459EC53785DB}" type="datetimeFigureOut">
               <a:rPr lang="en-US" smtClean="0"/>
-              <a:t>10/11/2011</a:t>
+              <a:t>10/14/2011</a:t>
             </a:fld>
             <a:endParaRPr lang="en-US"/>
           </a:p>
@@ -2720,7 +2720,7 @@
           <a:p>
             <a:fld id="{4D1464AD-1CE0-48FF-888D-459EC53785DB}" type="datetimeFigureOut">
               <a:rPr lang="en-US" smtClean="0"/>
-              <a:t>10/11/2011</a:t>
+              <a:t>10/14/2011</a:t>
             </a:fld>
             <a:endParaRPr lang="en-US"/>
           </a:p>
@@ -4132,20 +4132,17 @@
               <a:rPr lang="de-DE" sz="1000" dirty="0" smtClean="0">
                 <a:sym typeface="Wingdings" pitchFamily="2" charset="2"/>
               </a:rPr>
-              <a:t> gefunden wird (</a:t>
-            </a:r>
-            <a:r>
-              <a:rPr lang="de-DE" sz="1000" dirty="0" err="1" smtClean="0">
-                <a:sym typeface="Wingdings" pitchFamily="2" charset="2"/>
-              </a:rPr>
-              <a:t>me</a:t>
-            </a:r>
-            <a:r>
-              <a:rPr lang="de-DE" sz="1000" dirty="0" smtClean="0">
-                <a:sym typeface="Wingdings" pitchFamily="2" charset="2"/>
-              </a:rPr>
-              <a:t>)</a:t>
-            </a:r>
+              <a:t> gefunden wird </a:t>
+            </a:r>
+            <a:r>
+              <a:rPr lang="de-DE" sz="1000" dirty="0" smtClean="0">
+                <a:sym typeface="Wingdings" pitchFamily="2" charset="2"/>
+              </a:rPr>
+              <a:t>(Lam2010b)</a:t>
+            </a:r>
+            <a:endParaRPr lang="de-DE" sz="1000" dirty="0" smtClean="0">
+              <a:sym typeface="Wingdings" pitchFamily="2" charset="2"/>
+            </a:endParaRPr>
           </a:p>
           <a:p>
             <a:pPr marL="342900" indent="-342900">
@@ -5381,8 +5378,47 @@
               <a:t> PTMs </a:t>
             </a:r>
             <a:r>
-              <a:rPr lang="en-US" sz="1100" smtClean="0"/>
+              <a:rPr lang="en-US" sz="1100" dirty="0" err="1" smtClean="0"/>
               <a:t>zulassen</a:t>
+            </a:r>
+            <a:endParaRPr lang="en-US" sz="1100" dirty="0" smtClean="0"/>
+          </a:p>
+          <a:p>
+            <a:pPr marL="171450" indent="-171450">
+              <a:buFont typeface="Arial" pitchFamily="34" charset="0"/>
+              <a:buChar char="•"/>
+            </a:pPr>
+            <a:r>
+              <a:rPr lang="de-DE" sz="1100" dirty="0" smtClean="0"/>
+              <a:t>Für das Scoring </a:t>
+            </a:r>
+            <a:r>
+              <a:rPr lang="de-DE" sz="1100" dirty="0" err="1" smtClean="0"/>
+              <a:t>basierenfd</a:t>
+            </a:r>
+            <a:r>
+              <a:rPr lang="de-DE" sz="1100" dirty="0" smtClean="0"/>
+              <a:t> auf FDR: 2 Strategien </a:t>
+            </a:r>
+            <a:r>
+              <a:rPr lang="de-DE" sz="1100" dirty="0" err="1" smtClean="0"/>
+              <a:t>Bayes</a:t>
+            </a:r>
+            <a:r>
+              <a:rPr lang="de-DE" sz="1100" dirty="0" smtClean="0"/>
+              <a:t> Ansatz (Score Distribution) und </a:t>
+            </a:r>
+            <a:r>
+              <a:rPr lang="de-DE" sz="1100" dirty="0" err="1" smtClean="0"/>
+              <a:t>target</a:t>
+            </a:r>
+            <a:r>
+              <a:rPr lang="de-DE" sz="1100" dirty="0" smtClean="0"/>
+              <a:t> </a:t>
+            </a:r>
+            <a:r>
+              <a:rPr lang="de-DE" sz="1100" smtClean="0"/>
+              <a:t>decoy</a:t>
             </a:r>
             <a:endParaRPr lang="en-US" sz="1100" dirty="0"/>
           </a:p>
